--- a/TUT/soc/altera_de_II_demo/1.0/doc/Altera DE 2 demo instructions for Kactus 2.pptx
+++ b/TUT/soc/altera_de_II_demo/1.0/doc/Altera DE 2 demo instructions for Kactus 2.pptx
@@ -10,7 +10,9 @@
     <p:sldId id="257" r:id="rId4"/>
     <p:sldId id="258" r:id="rId5"/>
     <p:sldId id="259" r:id="rId6"/>
-    <p:sldId id="260" r:id="rId7"/>
+    <p:sldId id="263" r:id="rId7"/>
+    <p:sldId id="260" r:id="rId8"/>
+    <p:sldId id="262" r:id="rId9"/>
   </p:sldIdLst>
   <p:sldSz cx="9144000" cy="6858000" type="screen4x3"/>
   <p:notesSz cx="6858000" cy="9144000"/>
@@ -293,6 +295,7 @@
           <a:p>
             <a:fld id="{87CCB0FF-A6DD-46E1-BE7D-086C552D6F7D}" type="slidenum">
               <a:rPr lang="en-US" smtClean="0"/>
+              <a:pPr/>
               <a:t>‹#›</a:t>
             </a:fld>
             <a:endParaRPr lang="en-US"/>
@@ -499,6 +502,7 @@
           <a:p>
             <a:fld id="{87CCB0FF-A6DD-46E1-BE7D-086C552D6F7D}" type="slidenum">
               <a:rPr lang="en-US" smtClean="0"/>
+              <a:pPr/>
               <a:t>‹#›</a:t>
             </a:fld>
             <a:endParaRPr lang="en-US"/>
@@ -622,6 +626,7 @@
           <a:p>
             <a:fld id="{87CCB0FF-A6DD-46E1-BE7D-086C552D6F7D}" type="slidenum">
               <a:rPr lang="en-US" smtClean="0"/>
+              <a:pPr/>
               <a:t>‹#›</a:t>
             </a:fld>
             <a:endParaRPr lang="en-US"/>
@@ -711,6 +716,7 @@
           <a:p>
             <a:fld id="{87CCB0FF-A6DD-46E1-BE7D-086C552D6F7D}" type="slidenum">
               <a:rPr lang="en-US" smtClean="0"/>
+              <a:pPr/>
               <a:t>‹#›</a:t>
             </a:fld>
             <a:endParaRPr lang="en-US"/>
@@ -986,6 +992,7 @@
           <a:p>
             <a:fld id="{87CCB0FF-A6DD-46E1-BE7D-086C552D6F7D}" type="slidenum">
               <a:rPr lang="en-US" smtClean="0"/>
+              <a:pPr/>
               <a:t>‹#›</a:t>
             </a:fld>
             <a:endParaRPr lang="en-US"/>
@@ -1192,7 +1199,8 @@
           <a:p>
             <a:fld id="{25A448DC-CF9E-427F-B6EC-67318A408C0C}" type="datetimeFigureOut">
               <a:rPr lang="en-US" smtClean="0"/>
-              <a:t>11/16/2011</a:t>
+              <a:pPr/>
+              <a:t>11/30/2011</a:t>
             </a:fld>
             <a:endParaRPr lang="en-US"/>
           </a:p>
@@ -1234,6 +1242,7 @@
           <a:p>
             <a:fld id="{87CCB0FF-A6DD-46E1-BE7D-086C552D6F7D}" type="slidenum">
               <a:rPr lang="en-US" smtClean="0"/>
+              <a:pPr/>
               <a:t>‹#›</a:t>
             </a:fld>
             <a:endParaRPr lang="en-US"/>
@@ -2212,6 +2221,7 @@
           <a:p>
             <a:fld id="{87CCB0FF-A6DD-46E1-BE7D-086C552D6F7D}" type="slidenum">
               <a:rPr lang="en-US" smtClean="0"/>
+              <a:pPr/>
               <a:t>‹#›</a:t>
             </a:fld>
             <a:endParaRPr lang="en-US"/>
@@ -2794,6 +2804,186 @@
           </a:p>
         </p:txBody>
       </p:sp>
+      <p:sp>
+        <p:nvSpPr>
+          <p:cNvPr id="3" name="Title 1"/>
+          <p:cNvSpPr txBox="1">
+            <a:spLocks/>
+          </p:cNvSpPr>
+          <p:nvPr/>
+        </p:nvSpPr>
+        <p:spPr bwMode="auto">
+          <a:xfrm>
+            <a:off x="755576" y="4509120"/>
+            <a:ext cx="7772400" cy="1470025"/>
+          </a:xfrm>
+          <a:prstGeom prst="rect">
+            <a:avLst/>
+          </a:prstGeom>
+          <a:noFill/>
+          <a:ln w="9525" algn="ctr">
+            <a:noFill/>
+            <a:miter lim="800000"/>
+            <a:headEnd/>
+            <a:tailEnd/>
+          </a:ln>
+          <a:effectLst/>
+        </p:spPr>
+        <p:txBody>
+          <a:bodyPr vert="horz" wrap="square" lIns="92075" tIns="46038" rIns="92075" bIns="46038" numCol="1" anchor="b" anchorCtr="0" compatLnSpc="1">
+            <a:prstTxWarp prst="textNoShape">
+              <a:avLst/>
+            </a:prstTxWarp>
+          </a:bodyPr>
+          <a:lstStyle/>
+          <a:p>
+            <a:pPr marL="0" marR="0" lvl="0" indent="0" algn="l" defTabSz="914400" rtl="0" eaLnBrk="1" fontAlgn="base" latinLnBrk="0" hangingPunct="1">
+              <a:lnSpc>
+                <a:spcPct val="100000"/>
+              </a:lnSpc>
+              <a:spcBef>
+                <a:spcPct val="0"/>
+              </a:spcBef>
+              <a:spcAft>
+                <a:spcPct val="0"/>
+              </a:spcAft>
+              <a:buClrTx/>
+              <a:buSzTx/>
+              <a:buFontTx/>
+              <a:buNone/>
+              <a:tabLst/>
+              <a:defRPr/>
+            </a:pPr>
+            <a:r>
+              <a:rPr kumimoji="0" lang="fi-FI" sz="1600" b="1" i="0" u="none" strike="noStrike" kern="0" cap="none" spc="0" normalizeH="0" baseline="0" noProof="0" smtClean="0">
+                <a:ln>
+                  <a:noFill/>
+                </a:ln>
+                <a:solidFill>
+                  <a:srgbClr val="0000D6"/>
+                </a:solidFill>
+                <a:effectLst>
+                  <a:outerShdw blurRad="38100" dist="38100" dir="2700000" algn="tl">
+                    <a:srgbClr val="C0C0C0"/>
+                  </a:outerShdw>
+                </a:effectLst>
+                <a:uLnTx/>
+                <a:uFillTx/>
+                <a:latin typeface="Calibri" pitchFamily="34" charset="0"/>
+                <a:ea typeface="+mj-ea"/>
+                <a:cs typeface="+mj-cs"/>
+              </a:rPr>
+              <a:t>Juha Arvio, Lauri Matilainen</a:t>
+            </a:r>
+          </a:p>
+          <a:p>
+            <a:pPr marL="0" marR="0" lvl="0" indent="0" algn="l" defTabSz="914400" rtl="0" eaLnBrk="1" fontAlgn="base" latinLnBrk="0" hangingPunct="1">
+              <a:lnSpc>
+                <a:spcPct val="100000"/>
+              </a:lnSpc>
+              <a:spcBef>
+                <a:spcPct val="0"/>
+              </a:spcBef>
+              <a:spcAft>
+                <a:spcPct val="0"/>
+              </a:spcAft>
+              <a:buClrTx/>
+              <a:buSzTx/>
+              <a:buFontTx/>
+              <a:buNone/>
+              <a:tabLst/>
+              <a:defRPr/>
+            </a:pPr>
+            <a:r>
+              <a:rPr lang="fi-FI" sz="1600" b="1" kern="0" smtClean="0">
+                <a:solidFill>
+                  <a:srgbClr val="0000D6"/>
+                </a:solidFill>
+                <a:effectLst>
+                  <a:outerShdw blurRad="38100" dist="38100" dir="2700000" algn="tl">
+                    <a:srgbClr val="C0C0C0"/>
+                  </a:outerShdw>
+                </a:effectLst>
+                <a:latin typeface="Calibri" pitchFamily="34" charset="0"/>
+                <a:ea typeface="+mj-ea"/>
+                <a:cs typeface="+mj-cs"/>
+              </a:rPr>
+              <a:t>Tampere University of Technology</a:t>
+            </a:r>
+            <a:endParaRPr kumimoji="0" lang="fi-FI" sz="1600" b="1" i="0" u="none" strike="noStrike" kern="0" cap="none" spc="0" normalizeH="0" baseline="0" noProof="0" smtClean="0">
+              <a:ln>
+                <a:noFill/>
+              </a:ln>
+              <a:solidFill>
+                <a:srgbClr val="0000D6"/>
+              </a:solidFill>
+              <a:effectLst>
+                <a:outerShdw blurRad="38100" dist="38100" dir="2700000" algn="tl">
+                  <a:srgbClr val="C0C0C0"/>
+                </a:outerShdw>
+              </a:effectLst>
+              <a:uLnTx/>
+              <a:uFillTx/>
+              <a:latin typeface="Calibri" pitchFamily="34" charset="0"/>
+              <a:ea typeface="+mj-ea"/>
+              <a:cs typeface="+mj-cs"/>
+            </a:endParaRPr>
+          </a:p>
+          <a:p>
+            <a:pPr marL="0" marR="0" lvl="0" indent="0" algn="l" defTabSz="914400" rtl="0" eaLnBrk="1" fontAlgn="base" latinLnBrk="0" hangingPunct="1">
+              <a:lnSpc>
+                <a:spcPct val="100000"/>
+              </a:lnSpc>
+              <a:spcBef>
+                <a:spcPct val="0"/>
+              </a:spcBef>
+              <a:spcAft>
+                <a:spcPct val="0"/>
+              </a:spcAft>
+              <a:buClrTx/>
+              <a:buSzTx/>
+              <a:buFontTx/>
+              <a:buNone/>
+              <a:tabLst/>
+              <a:defRPr/>
+            </a:pPr>
+            <a:r>
+              <a:rPr lang="fi-FI" sz="1600" b="1" kern="0" smtClean="0">
+                <a:solidFill>
+                  <a:srgbClr val="0000D6"/>
+                </a:solidFill>
+                <a:effectLst>
+                  <a:outerShdw blurRad="38100" dist="38100" dir="2700000" algn="tl">
+                    <a:srgbClr val="C0C0C0"/>
+                  </a:outerShdw>
+                </a:effectLst>
+                <a:latin typeface="Calibri" pitchFamily="34" charset="0"/>
+                <a:ea typeface="+mj-ea"/>
+                <a:cs typeface="+mj-cs"/>
+              </a:rPr>
+              <a:t>November 2011</a:t>
+            </a:r>
+            <a:endParaRPr kumimoji="0" lang="en-US" sz="1600" b="1" i="0" u="none" strike="noStrike" kern="0" cap="none" spc="0" normalizeH="0" baseline="0" noProof="0" dirty="0">
+              <a:ln>
+                <a:noFill/>
+              </a:ln>
+              <a:solidFill>
+                <a:srgbClr val="0000D6"/>
+              </a:solidFill>
+              <a:effectLst>
+                <a:outerShdw blurRad="38100" dist="38100" dir="2700000" algn="tl">
+                  <a:srgbClr val="C0C0C0"/>
+                </a:outerShdw>
+              </a:effectLst>
+              <a:uLnTx/>
+              <a:uFillTx/>
+              <a:latin typeface="Calibri" pitchFamily="34" charset="0"/>
+              <a:ea typeface="+mj-ea"/>
+              <a:cs typeface="+mj-cs"/>
+            </a:endParaRPr>
+          </a:p>
+        </p:txBody>
+      </p:sp>
     </p:spTree>
   </p:cSld>
   <p:clrMapOvr>
@@ -2959,15 +3149,7 @@
             </a:r>
             <a:r>
               <a:rPr lang="en-US" dirty="0" smtClean="0"/>
-              <a:t> </a:t>
-            </a:r>
-            <a:r>
-              <a:rPr lang="en-US" dirty="0" smtClean="0"/>
-              <a:t>DE2 development board</a:t>
-            </a:r>
-            <a:r>
-              <a:rPr lang="en-US" dirty="0" smtClean="0"/>
-              <a:t>. </a:t>
+              <a:t> DE2 development board. </a:t>
             </a:r>
             <a:r>
               <a:rPr lang="en-US" dirty="0" err="1" smtClean="0"/>
@@ -2975,15 +3157,7 @@
             </a:r>
             <a:r>
               <a:rPr lang="en-US" dirty="0" smtClean="0"/>
-              <a:t> instantiates </a:t>
-            </a:r>
-            <a:r>
-              <a:rPr lang="en-US" dirty="0" smtClean="0"/>
-              <a:t>two </a:t>
-            </a:r>
-            <a:r>
-              <a:rPr lang="en-US" dirty="0" smtClean="0"/>
-              <a:t>components: </a:t>
+              <a:t> instantiates two components: </a:t>
             </a:r>
             <a:r>
               <a:rPr lang="en-US" dirty="0" err="1" smtClean="0"/>
@@ -2999,19 +3173,7 @@
             </a:r>
             <a:r>
               <a:rPr lang="en-US" dirty="0" smtClean="0"/>
-              <a:t> </a:t>
-            </a:r>
-            <a:r>
-              <a:rPr lang="en-US" dirty="0" smtClean="0"/>
-              <a:t>reads switch[17] from DE2 board and activates </a:t>
-            </a:r>
-            <a:r>
-              <a:rPr lang="en-US" dirty="0" smtClean="0"/>
-              <a:t>port_ </a:t>
-            </a:r>
-            <a:r>
-              <a:rPr lang="en-US" dirty="0" smtClean="0"/>
-              <a:t>blinker to blink </a:t>
+              <a:t> reads switch[17] from DE2 board and activates port_ blinker to blink </a:t>
             </a:r>
             <a:r>
               <a:rPr lang="en-US" dirty="0" err="1" smtClean="0"/>
@@ -3019,15 +3181,7 @@
             </a:r>
             <a:r>
               <a:rPr lang="en-US" dirty="0" smtClean="0"/>
-              <a:t>[0] </a:t>
-            </a:r>
-            <a:r>
-              <a:rPr lang="en-US" dirty="0" smtClean="0"/>
-              <a:t>in DE2 Board</a:t>
-            </a:r>
-            <a:r>
-              <a:rPr lang="en-US" dirty="0" smtClean="0"/>
-              <a:t>. Reset is located in SW[0]</a:t>
+              <a:t>[0] in DE2 Board. Reset is located in SW[0]</a:t>
             </a:r>
             <a:endParaRPr lang="en-US" dirty="0"/>
           </a:p>
@@ -3442,6 +3596,118 @@
       </p:grpSpPr>
       <p:sp>
         <p:nvSpPr>
+          <p:cNvPr id="4" name="Title 3"/>
+          <p:cNvSpPr>
+            <a:spLocks noGrp="1"/>
+          </p:cNvSpPr>
+          <p:nvPr>
+            <p:ph type="title"/>
+          </p:nvPr>
+        </p:nvSpPr>
+        <p:spPr/>
+        <p:txBody>
+          <a:bodyPr>
+            <a:normAutofit fontScale="90000"/>
+          </a:bodyPr>
+          <a:lstStyle/>
+          <a:p>
+            <a:r>
+              <a:rPr lang="fi-FI" smtClean="0"/>
+              <a:t>4. Compile and synthesize </a:t>
+            </a:r>
+            <a:r>
+              <a:rPr lang="fi-FI" smtClean="0"/>
+              <a:t>created </a:t>
+            </a:r>
+            <a:r>
+              <a:rPr lang="fi-FI" smtClean="0"/>
+              <a:t>project with Quartus</a:t>
+            </a:r>
+            <a:endParaRPr lang="en-US"/>
+          </a:p>
+        </p:txBody>
+      </p:sp>
+      <p:sp>
+        <p:nvSpPr>
+          <p:cNvPr id="5" name="Content Placeholder 4"/>
+          <p:cNvSpPr>
+            <a:spLocks noGrp="1"/>
+          </p:cNvSpPr>
+          <p:nvPr>
+            <p:ph idx="1"/>
+          </p:nvPr>
+        </p:nvSpPr>
+        <p:spPr/>
+        <p:txBody>
+          <a:bodyPr/>
+          <a:lstStyle/>
+          <a:p>
+            <a:endParaRPr lang="en-US"/>
+          </a:p>
+        </p:txBody>
+      </p:sp>
+      <p:pic>
+        <p:nvPicPr>
+          <p:cNvPr id="1026" name="Picture 2"/>
+          <p:cNvPicPr>
+            <a:picLocks noChangeAspect="1" noChangeArrowheads="1"/>
+          </p:cNvPicPr>
+          <p:nvPr/>
+        </p:nvPicPr>
+        <p:blipFill>
+          <a:blip r:embed="rId2" cstate="print"/>
+          <a:srcRect/>
+          <a:stretch>
+            <a:fillRect/>
+          </a:stretch>
+        </p:blipFill>
+        <p:spPr bwMode="auto">
+          <a:xfrm>
+            <a:off x="291931" y="1052736"/>
+            <a:ext cx="8852069" cy="5404706"/>
+          </a:xfrm>
+          <a:prstGeom prst="rect">
+            <a:avLst/>
+          </a:prstGeom>
+          <a:noFill/>
+          <a:ln w="9525">
+            <a:noFill/>
+            <a:miter lim="800000"/>
+            <a:headEnd/>
+            <a:tailEnd/>
+          </a:ln>
+        </p:spPr>
+      </p:pic>
+    </p:spTree>
+  </p:cSld>
+  <p:clrMapOvr>
+    <a:masterClrMapping/>
+  </p:clrMapOvr>
+  <p:transition>
+    <p:zoom/>
+  </p:transition>
+</p:sld>
+</file>
+
+<file path=ppt/slides/slide7.xml><?xml version="1.0" encoding="utf-8"?>
+<p:sld xmlns:a="http://schemas.openxmlformats.org/drawingml/2006/main" xmlns:r="http://schemas.openxmlformats.org/officeDocument/2006/relationships" xmlns:p="http://schemas.openxmlformats.org/presentationml/2006/main">
+  <p:cSld>
+    <p:spTree>
+      <p:nvGrpSpPr>
+        <p:cNvPr id="1" name=""/>
+        <p:cNvGrpSpPr/>
+        <p:nvPr/>
+      </p:nvGrpSpPr>
+      <p:grpSpPr>
+        <a:xfrm>
+          <a:off x="0" y="0"/>
+          <a:ext cx="0" cy="0"/>
+          <a:chOff x="0" y="0"/>
+          <a:chExt cx="0" cy="0"/>
+        </a:xfrm>
+      </p:grpSpPr>
+      <p:sp>
+        <p:nvSpPr>
           <p:cNvPr id="3" name="Title 2"/>
           <p:cNvSpPr>
             <a:spLocks noGrp="1"/>
@@ -3458,41 +3724,13 @@
         </p:spPr>
         <p:txBody>
           <a:bodyPr>
-            <a:normAutofit fontScale="90000"/>
+            <a:normAutofit/>
           </a:bodyPr>
           <a:lstStyle/>
           <a:p>
             <a:r>
-              <a:rPr lang="fi-FI" dirty="0" smtClean="0"/>
-              <a:t>4. </a:t>
-            </a:r>
-            <a:r>
-              <a:rPr lang="fi-FI" dirty="0" err="1" smtClean="0"/>
-              <a:t>Compile</a:t>
-            </a:r>
-            <a:r>
-              <a:rPr lang="fi-FI" dirty="0" smtClean="0"/>
-              <a:t> and </a:t>
-            </a:r>
-            <a:r>
-              <a:rPr lang="fi-FI" dirty="0" err="1" smtClean="0"/>
-              <a:t>synthesize</a:t>
-            </a:r>
-            <a:r>
-              <a:rPr lang="fi-FI" dirty="0" smtClean="0"/>
-              <a:t> </a:t>
-            </a:r>
-            <a:r>
-              <a:rPr lang="fi-FI" dirty="0" err="1" smtClean="0"/>
-              <a:t>created</a:t>
-            </a:r>
-            <a:r>
-              <a:rPr lang="fi-FI" dirty="0" smtClean="0"/>
-              <a:t> </a:t>
-            </a:r>
-            <a:r>
-              <a:rPr lang="fi-FI" dirty="0" err="1" smtClean="0"/>
-              <a:t>project</a:t>
+              <a:rPr lang="fi-FI" smtClean="0"/>
+              <a:t>5. Program the FPGA</a:t>
             </a:r>
             <a:endParaRPr lang="en-US" dirty="0"/>
           </a:p>
@@ -3515,8 +3753,8 @@
         </p:blipFill>
         <p:spPr bwMode="auto">
           <a:xfrm>
-            <a:off x="1259632" y="1484784"/>
-            <a:ext cx="6624736" cy="5213502"/>
+            <a:off x="2915816" y="1758112"/>
+            <a:ext cx="6048672" cy="4760154"/>
           </a:xfrm>
           <a:prstGeom prst="rect">
             <a:avLst/>
@@ -3532,7 +3770,7 @@
         </p:nvSpPr>
         <p:spPr bwMode="auto">
           <a:xfrm>
-            <a:off x="0" y="5157192"/>
+            <a:off x="1583668" y="5013176"/>
             <a:ext cx="1440160" cy="720080"/>
           </a:xfrm>
           <a:prstGeom prst="wedgeRectCallout">
@@ -3594,7 +3832,7 @@
         </p:nvSpPr>
         <p:spPr bwMode="auto">
           <a:xfrm>
-            <a:off x="5940152" y="4725144"/>
+            <a:off x="7164288" y="4509120"/>
             <a:ext cx="1440160" cy="720080"/>
           </a:xfrm>
           <a:prstGeom prst="wedgeRectCallout">
@@ -3656,7 +3894,7 @@
         </p:nvSpPr>
         <p:spPr bwMode="auto">
           <a:xfrm>
-            <a:off x="3851920" y="4365104"/>
+            <a:off x="5112060" y="4221088"/>
             <a:ext cx="1440160" cy="720080"/>
           </a:xfrm>
           <a:prstGeom prst="wedgeRectCallout">
@@ -3707,6 +3945,218 @@
               <a:latin typeface="Times"/>
               <a:cs typeface="Arial" pitchFamily="34" charset="0"/>
             </a:endParaRPr>
+          </a:p>
+        </p:txBody>
+      </p:sp>
+      <p:sp>
+        <p:nvSpPr>
+          <p:cNvPr id="9" name="Rectangle 8"/>
+          <p:cNvSpPr/>
+          <p:nvPr/>
+        </p:nvSpPr>
+        <p:spPr bwMode="auto">
+          <a:xfrm>
+            <a:off x="6696236" y="5625244"/>
+            <a:ext cx="72008" cy="144016"/>
+          </a:xfrm>
+          <a:prstGeom prst="rect">
+            <a:avLst/>
+          </a:prstGeom>
+          <a:solidFill>
+            <a:schemeClr val="accent2"/>
+          </a:solidFill>
+          <a:ln w="12700" cap="flat" cmpd="sng" algn="ctr">
+            <a:solidFill>
+              <a:srgbClr val="FF0000"/>
+            </a:solidFill>
+            <a:prstDash val="solid"/>
+            <a:round/>
+            <a:headEnd type="none" w="sm" len="sm"/>
+            <a:tailEnd type="none" w="med" len="med"/>
+          </a:ln>
+          <a:effectLst>
+            <a:glow rad="101600">
+              <a:schemeClr val="accent2">
+                <a:satMod val="175000"/>
+                <a:alpha val="40000"/>
+              </a:schemeClr>
+            </a:glow>
+          </a:effectLst>
+        </p:spPr>
+        <p:txBody>
+          <a:bodyPr vert="horz" wrap="square" lIns="90000" tIns="46800" rIns="90000" bIns="46800" numCol="1" rtlCol="0" anchor="ctr" anchorCtr="0" compatLnSpc="1">
+            <a:prstTxWarp prst="textNoShape">
+              <a:avLst/>
+            </a:prstTxWarp>
+            <a:noAutofit/>
+          </a:bodyPr>
+          <a:lstStyle/>
+          <a:p>
+            <a:pPr algn="ctr" eaLnBrk="0" fontAlgn="base" hangingPunct="0">
+              <a:spcBef>
+                <a:spcPct val="0"/>
+              </a:spcBef>
+              <a:spcAft>
+                <a:spcPct val="0"/>
+              </a:spcAft>
+            </a:pPr>
+            <a:endParaRPr lang="en-US" sz="1400" dirty="0" smtClean="0">
+              <a:latin typeface="Times"/>
+              <a:cs typeface="Arial" pitchFamily="34" charset="0"/>
+            </a:endParaRPr>
+          </a:p>
+        </p:txBody>
+      </p:sp>
+      <p:pic>
+        <p:nvPicPr>
+          <p:cNvPr id="2050" name="Picture 2"/>
+          <p:cNvPicPr>
+            <a:picLocks noChangeAspect="1" noChangeArrowheads="1"/>
+          </p:cNvPicPr>
+          <p:nvPr/>
+        </p:nvPicPr>
+        <p:blipFill>
+          <a:blip r:embed="rId3" cstate="print"/>
+          <a:srcRect/>
+          <a:stretch>
+            <a:fillRect/>
+          </a:stretch>
+        </p:blipFill>
+        <p:spPr bwMode="auto">
+          <a:xfrm>
+            <a:off x="36004" y="1160747"/>
+            <a:ext cx="4067944" cy="2707841"/>
+          </a:xfrm>
+          <a:prstGeom prst="rect">
+            <a:avLst/>
+          </a:prstGeom>
+          <a:noFill/>
+          <a:ln w="9525">
+            <a:noFill/>
+            <a:miter lim="800000"/>
+            <a:headEnd/>
+            <a:tailEnd/>
+          </a:ln>
+        </p:spPr>
+      </p:pic>
+    </p:spTree>
+  </p:cSld>
+  <p:clrMapOvr>
+    <a:masterClrMapping/>
+  </p:clrMapOvr>
+  <p:transition>
+    <p:zoom/>
+  </p:transition>
+</p:sld>
+</file>
+
+<file path=ppt/slides/slide8.xml><?xml version="1.0" encoding="utf-8"?>
+<p:sld xmlns:a="http://schemas.openxmlformats.org/drawingml/2006/main" xmlns:r="http://schemas.openxmlformats.org/officeDocument/2006/relationships" xmlns:p="http://schemas.openxmlformats.org/presentationml/2006/main">
+  <p:cSld>
+    <p:spTree>
+      <p:nvGrpSpPr>
+        <p:cNvPr id="1" name=""/>
+        <p:cNvGrpSpPr/>
+        <p:nvPr/>
+      </p:nvGrpSpPr>
+      <p:grpSpPr>
+        <a:xfrm>
+          <a:off x="0" y="0"/>
+          <a:ext cx="0" cy="0"/>
+          <a:chOff x="0" y="0"/>
+          <a:chExt cx="0" cy="0"/>
+        </a:xfrm>
+      </p:grpSpPr>
+      <p:sp>
+        <p:nvSpPr>
+          <p:cNvPr id="4" name="Title 3"/>
+          <p:cNvSpPr>
+            <a:spLocks noGrp="1"/>
+          </p:cNvSpPr>
+          <p:nvPr>
+            <p:ph type="title"/>
+          </p:nvPr>
+        </p:nvSpPr>
+        <p:spPr/>
+        <p:txBody>
+          <a:bodyPr/>
+          <a:lstStyle/>
+          <a:p>
+            <a:r>
+              <a:rPr lang="fi-FI" smtClean="0"/>
+              <a:t>Summary</a:t>
+            </a:r>
+            <a:endParaRPr lang="en-US"/>
+          </a:p>
+        </p:txBody>
+      </p:sp>
+      <p:sp>
+        <p:nvSpPr>
+          <p:cNvPr id="5" name="Content Placeholder 4"/>
+          <p:cNvSpPr>
+            <a:spLocks noGrp="1"/>
+          </p:cNvSpPr>
+          <p:nvPr>
+            <p:ph idx="1"/>
+          </p:nvPr>
+        </p:nvSpPr>
+        <p:spPr/>
+        <p:txBody>
+          <a:bodyPr>
+            <a:normAutofit/>
+          </a:bodyPr>
+          <a:lstStyle/>
+          <a:p>
+            <a:r>
+              <a:rPr lang="fi-FI" smtClean="0"/>
+              <a:t>Everything should go smoothly all the way to FPGA</a:t>
+            </a:r>
+          </a:p>
+          <a:p>
+            <a:r>
+              <a:rPr lang="fi-FI" smtClean="0"/>
+              <a:t> Browse through the Kactus menus</a:t>
+            </a:r>
+          </a:p>
+          <a:p>
+            <a:pPr lvl="1"/>
+            <a:r>
+              <a:rPr lang="fi-FI" smtClean="0"/>
+              <a:t>E.g. </a:t>
+            </a:r>
+            <a:r>
+              <a:rPr lang="fi-FI" smtClean="0"/>
+              <a:t>Open </a:t>
+            </a:r>
+            <a:r>
+              <a:rPr lang="fi-FI" smtClean="0"/>
+              <a:t>the component view  altera_de_ii_demo and</a:t>
+            </a:r>
+          </a:p>
+          <a:p>
+            <a:pPr lvl="1"/>
+            <a:r>
+              <a:rPr lang="fi-FI" smtClean="0"/>
+              <a:t>You’ll see the general description, </a:t>
+            </a:r>
+            <a:r>
+              <a:rPr lang="fi-FI" smtClean="0"/>
+              <a:t>definitions </a:t>
+            </a:r>
+            <a:r>
+              <a:rPr lang="fi-FI" smtClean="0"/>
+              <a:t>for files, ports etc.</a:t>
+            </a:r>
+          </a:p>
+          <a:p>
+            <a:pPr lvl="1"/>
+            <a:r>
+              <a:rPr lang="fi-FI" smtClean="0"/>
+              <a:t>You might need to unlock the components</a:t>
+            </a:r>
+          </a:p>
+          <a:p>
+            <a:endParaRPr lang="en-US"/>
           </a:p>
         </p:txBody>
       </p:sp>

--- a/TUT/soc/altera_de_II_demo/1.0/doc/Altera DE 2 demo instructions for Kactus 2.pptx
+++ b/TUT/soc/altera_de_II_demo/1.0/doc/Altera DE 2 demo instructions for Kactus 2.pptx
@@ -13,6 +13,7 @@
     <p:sldId id="263" r:id="rId7"/>
     <p:sldId id="260" r:id="rId8"/>
     <p:sldId id="262" r:id="rId9"/>
+    <p:sldId id="264" r:id="rId10"/>
   </p:sldIdLst>
   <p:sldSz cx="9144000" cy="6858000" type="screen4x3"/>
   <p:notesSz cx="6858000" cy="9144000"/>
@@ -3770,8 +3771,8 @@
         </p:nvSpPr>
         <p:spPr bwMode="auto">
           <a:xfrm>
-            <a:off x="1583668" y="5013176"/>
-            <a:ext cx="1440160" cy="720080"/>
+            <a:off x="1151620" y="4833156"/>
+            <a:ext cx="1872208" cy="900100"/>
           </a:xfrm>
           <a:prstGeom prst="wedgeRectCallout">
             <a:avLst>
@@ -3811,11 +3812,28 @@
               </a:spcAft>
             </a:pPr>
             <a:r>
-              <a:rPr lang="fi-FI" sz="1400" dirty="0" smtClean="0">
+              <a:rPr lang="fi-FI" sz="1400" smtClean="0">
                 <a:latin typeface="Times"/>
                 <a:cs typeface="Arial" pitchFamily="34" charset="0"/>
               </a:rPr>
               <a:t>TOGGLE</a:t>
+            </a:r>
+          </a:p>
+          <a:p>
+            <a:pPr algn="ctr" eaLnBrk="0" fontAlgn="base" hangingPunct="0">
+              <a:spcBef>
+                <a:spcPct val="0"/>
+              </a:spcBef>
+              <a:spcAft>
+                <a:spcPct val="0"/>
+              </a:spcAft>
+            </a:pPr>
+            <a:r>
+              <a:rPr lang="fi-FI" sz="1400" smtClean="0">
+                <a:latin typeface="Times"/>
+                <a:cs typeface="Arial" pitchFamily="34" charset="0"/>
+              </a:rPr>
+              <a:t>(sig_gen will detect rising edges in this switch)</a:t>
             </a:r>
             <a:endParaRPr lang="en-US" sz="1400" dirty="0" smtClean="0">
               <a:latin typeface="Times"/>
@@ -3956,7 +3974,7 @@
         </p:nvSpPr>
         <p:spPr bwMode="auto">
           <a:xfrm>
-            <a:off x="6696236" y="5625244"/>
+            <a:off x="6709380" y="5668868"/>
             <a:ext cx="72008" cy="144016"/>
           </a:xfrm>
           <a:prstGeom prst="rect">
@@ -4090,6 +4108,132 @@
           </a:p>
         </p:txBody>
       </p:sp>
+      <p:pic>
+        <p:nvPicPr>
+          <p:cNvPr id="3074" name="Picture 2"/>
+          <p:cNvPicPr>
+            <a:picLocks noChangeAspect="1" noChangeArrowheads="1"/>
+          </p:cNvPicPr>
+          <p:nvPr/>
+        </p:nvPicPr>
+        <p:blipFill>
+          <a:blip r:embed="rId2" cstate="print"/>
+          <a:srcRect/>
+          <a:stretch>
+            <a:fillRect/>
+          </a:stretch>
+        </p:blipFill>
+        <p:spPr bwMode="auto">
+          <a:xfrm>
+            <a:off x="1259632" y="3366108"/>
+            <a:ext cx="6668802" cy="3051224"/>
+          </a:xfrm>
+          <a:prstGeom prst="rect">
+            <a:avLst/>
+          </a:prstGeom>
+          <a:noFill/>
+          <a:ln w="9525">
+            <a:noFill/>
+            <a:miter lim="800000"/>
+            <a:headEnd/>
+            <a:tailEnd/>
+          </a:ln>
+        </p:spPr>
+      </p:pic>
+      <p:sp>
+        <p:nvSpPr>
+          <p:cNvPr id="5" name="Content Placeholder 4"/>
+          <p:cNvSpPr>
+            <a:spLocks noGrp="1"/>
+          </p:cNvSpPr>
+          <p:nvPr>
+            <p:ph idx="1"/>
+          </p:nvPr>
+        </p:nvSpPr>
+        <p:spPr>
+          <a:xfrm>
+            <a:off x="1428729" y="1196975"/>
+            <a:ext cx="7175720" cy="2304033"/>
+          </a:xfrm>
+        </p:spPr>
+        <p:txBody>
+          <a:bodyPr>
+            <a:normAutofit fontScale="92500" lnSpcReduction="20000"/>
+          </a:bodyPr>
+          <a:lstStyle/>
+          <a:p>
+            <a:r>
+              <a:rPr lang="fi-FI" smtClean="0"/>
+              <a:t>Everything should go smoothly all the way to FPGA</a:t>
+            </a:r>
+          </a:p>
+          <a:p>
+            <a:r>
+              <a:rPr lang="fi-FI" smtClean="0"/>
+              <a:t>You may edit generator’s model parameter SIGNAL_VAL to change blinking period</a:t>
+            </a:r>
+            <a:endParaRPr lang="en-US"/>
+          </a:p>
+        </p:txBody>
+      </p:sp>
+    </p:spTree>
+  </p:cSld>
+  <p:clrMapOvr>
+    <a:masterClrMapping/>
+  </p:clrMapOvr>
+  <p:transition>
+    <p:zoom/>
+  </p:transition>
+  <p:timing>
+    <p:tnLst>
+      <p:par>
+        <p:cTn id="1" dur="indefinite" restart="never" nodeType="tmRoot"/>
+      </p:par>
+    </p:tnLst>
+  </p:timing>
+</p:sld>
+</file>
+
+<file path=ppt/slides/slide9.xml><?xml version="1.0" encoding="utf-8"?>
+<p:sld xmlns:a="http://schemas.openxmlformats.org/drawingml/2006/main" xmlns:r="http://schemas.openxmlformats.org/officeDocument/2006/relationships" xmlns:p="http://schemas.openxmlformats.org/presentationml/2006/main">
+  <p:cSld>
+    <p:spTree>
+      <p:nvGrpSpPr>
+        <p:cNvPr id="1" name=""/>
+        <p:cNvGrpSpPr/>
+        <p:nvPr/>
+      </p:nvGrpSpPr>
+      <p:grpSpPr>
+        <a:xfrm>
+          <a:off x="0" y="0"/>
+          <a:ext cx="0" cy="0"/>
+          <a:chOff x="0" y="0"/>
+          <a:chExt cx="0" cy="0"/>
+        </a:xfrm>
+      </p:grpSpPr>
+      <p:sp>
+        <p:nvSpPr>
+          <p:cNvPr id="4" name="Title 3"/>
+          <p:cNvSpPr>
+            <a:spLocks noGrp="1"/>
+          </p:cNvSpPr>
+          <p:nvPr>
+            <p:ph type="title"/>
+          </p:nvPr>
+        </p:nvSpPr>
+        <p:spPr/>
+        <p:txBody>
+          <a:bodyPr/>
+          <a:lstStyle/>
+          <a:p>
+            <a:r>
+              <a:rPr lang="fi-FI" smtClean="0"/>
+              <a:t>To learn more</a:t>
+            </a:r>
+            <a:endParaRPr lang="en-US"/>
+          </a:p>
+        </p:txBody>
+      </p:sp>
       <p:sp>
         <p:nvSpPr>
           <p:cNvPr id="5" name="Content Placeholder 4"/>
@@ -4103,57 +4247,75 @@
         <p:spPr/>
         <p:txBody>
           <a:bodyPr>
-            <a:normAutofit/>
+            <a:normAutofit fontScale="85000" lnSpcReduction="10000"/>
           </a:bodyPr>
           <a:lstStyle/>
           <a:p>
             <a:r>
               <a:rPr lang="fi-FI" smtClean="0"/>
-              <a:t>Everything should go smoothly all the way to FPGA</a:t>
-            </a:r>
-          </a:p>
-          <a:p>
+              <a:t>Browse </a:t>
+            </a:r>
             <a:r>
               <a:rPr lang="fi-FI" smtClean="0"/>
-              <a:t> Browse through the Kactus menus</a:t>
+              <a:t>through the Kactus menus</a:t>
             </a:r>
           </a:p>
           <a:p>
             <a:pPr lvl="1"/>
             <a:r>
               <a:rPr lang="fi-FI" smtClean="0"/>
-              <a:t>E.g. </a:t>
-            </a:r>
+              <a:t>E.g. Open the component view  altera_de_ii_demo and</a:t>
+            </a:r>
+          </a:p>
+          <a:p>
+            <a:pPr lvl="1"/>
             <a:r>
               <a:rPr lang="fi-FI" smtClean="0"/>
-              <a:t>Open </a:t>
-            </a:r>
+              <a:t>You’ll see the general description, definitions for files, ports etc.</a:t>
+            </a:r>
+          </a:p>
+          <a:p>
+            <a:pPr lvl="1"/>
             <a:r>
               <a:rPr lang="fi-FI" smtClean="0"/>
-              <a:t>the component view  altera_de_ii_demo and</a:t>
+              <a:t>You might need to unlock </a:t>
+            </a:r>
+            <a:r>
+              <a:rPr lang="fi-FI" smtClean="0"/>
+              <a:t>the </a:t>
+            </a:r>
+            <a:r>
+              <a:rPr lang="fi-FI" smtClean="0"/>
+              <a:t>components</a:t>
+            </a:r>
+          </a:p>
+          <a:p>
+            <a:r>
+              <a:rPr lang="fi-FI" smtClean="0"/>
+              <a:t>Open the XML files. They are human-readable (although may seem cryptic at first look)</a:t>
             </a:r>
           </a:p>
           <a:p>
             <a:pPr lvl="1"/>
             <a:r>
               <a:rPr lang="fi-FI" smtClean="0"/>
-              <a:t>You’ll see the general description, </a:t>
-            </a:r>
+              <a:t>altera_de_II_demo.1.0.xml</a:t>
+            </a:r>
+          </a:p>
+          <a:p>
+            <a:pPr lvl="1"/>
             <a:r>
               <a:rPr lang="fi-FI" smtClean="0"/>
-              <a:t>definitions </a:t>
-            </a:r>
-            <a:r>
-              <a:rPr lang="fi-FI" smtClean="0"/>
-              <a:t>for files, ports etc.</a:t>
-            </a:r>
+              <a:t>altera_de_II_demo.design.1.0.xml</a:t>
+            </a:r>
+            <a:endParaRPr lang="fi-FI" smtClean="0"/>
           </a:p>
           <a:p>
             <a:pPr lvl="1"/>
-            <a:r>
-              <a:rPr lang="fi-FI" smtClean="0"/>
-              <a:t>You might need to unlock the components</a:t>
-            </a:r>
+            <a:endParaRPr lang="fi-FI" smtClean="0"/>
+          </a:p>
+          <a:p>
+            <a:endParaRPr lang="en-US" smtClean="0"/>
           </a:p>
           <a:p>
             <a:endParaRPr lang="en-US"/>
@@ -4168,6 +4330,13 @@
   <p:transition>
     <p:zoom/>
   </p:transition>
+  <p:timing>
+    <p:tnLst>
+      <p:par>
+        <p:cTn id="1" dur="indefinite" restart="never" nodeType="tmRoot"/>
+      </p:par>
+    </p:tnLst>
+  </p:timing>
 </p:sld>
 </file>
 

--- a/TUT/soc/altera_de_II_demo/1.0/doc/Altera DE 2 demo instructions for Kactus 2.pptx
+++ b/TUT/soc/altera_de_II_demo/1.0/doc/Altera DE 2 demo instructions for Kactus 2.pptx
@@ -3046,7 +3046,7 @@
         <p:spPr/>
         <p:txBody>
           <a:bodyPr>
-            <a:normAutofit fontScale="92500" lnSpcReduction="10000"/>
+            <a:normAutofit fontScale="92500" lnSpcReduction="20000"/>
           </a:bodyPr>
           <a:lstStyle/>
           <a:p>
@@ -3150,31 +3150,50 @@
             </a:r>
             <a:r>
               <a:rPr lang="en-US" dirty="0" smtClean="0"/>
-              <a:t> DE2 development board. </a:t>
-            </a:r>
-            <a:r>
-              <a:rPr lang="en-US" dirty="0" err="1" smtClean="0"/>
-              <a:t>SoC</a:t>
+              <a:t> DE2 development board</a:t>
+            </a:r>
+            <a:r>
+              <a:rPr lang="en-US" smtClean="0"/>
+              <a:t>. </a:t>
+            </a:r>
+            <a:endParaRPr lang="en-US" smtClean="0"/>
+          </a:p>
+          <a:p>
+            <a:r>
+              <a:rPr lang="en-US" smtClean="0"/>
+              <a:t>SoC </a:t>
             </a:r>
             <a:r>
               <a:rPr lang="en-US" dirty="0" smtClean="0"/>
-              <a:t> instantiates two components: </a:t>
-            </a:r>
-            <a:r>
-              <a:rPr lang="en-US" dirty="0" err="1" smtClean="0"/>
+              <a:t>instantiates two components: </a:t>
+            </a:r>
+            <a:r>
+              <a:rPr lang="en-US" i="1" dirty="0" err="1" smtClean="0"/>
               <a:t>sig_gen</a:t>
             </a:r>
             <a:r>
               <a:rPr lang="en-US" dirty="0" smtClean="0"/>
-              <a:t> and port blinker. </a:t>
-            </a:r>
-            <a:r>
-              <a:rPr lang="en-US" dirty="0" err="1" smtClean="0"/>
-              <a:t>Sig_gen</a:t>
+              <a:t> and </a:t>
+            </a:r>
+            <a:r>
+              <a:rPr lang="en-US" i="1" dirty="0" smtClean="0"/>
+              <a:t>port blinker</a:t>
+            </a:r>
+            <a:r>
+              <a:rPr lang="en-US" smtClean="0"/>
+              <a:t>. </a:t>
+            </a:r>
+            <a:endParaRPr lang="en-US" smtClean="0"/>
+          </a:p>
+          <a:p>
+            <a:pPr lvl="1"/>
+            <a:r>
+              <a:rPr lang="en-US" smtClean="0"/>
+              <a:t>Sig_gen </a:t>
             </a:r>
             <a:r>
               <a:rPr lang="en-US" dirty="0" smtClean="0"/>
-              <a:t> reads switch[17] from DE2 board and activates port_ blinker to blink </a:t>
+              <a:t>reads switch[17] from DE2 board and activates port_ blinker to blink </a:t>
             </a:r>
             <a:r>
               <a:rPr lang="en-US" dirty="0" err="1" smtClean="0"/>
@@ -3182,7 +3201,23 @@
             </a:r>
             <a:r>
               <a:rPr lang="en-US" dirty="0" smtClean="0"/>
-              <a:t>[0] in DE2 Board. Reset is located in SW[0]</a:t>
+              <a:t>[0] in DE2 Board</a:t>
+            </a:r>
+            <a:r>
+              <a:rPr lang="en-US" smtClean="0"/>
+              <a:t>. </a:t>
+            </a:r>
+            <a:endParaRPr lang="en-US" smtClean="0"/>
+          </a:p>
+          <a:p>
+            <a:pPr lvl="1"/>
+            <a:r>
+              <a:rPr lang="en-US" smtClean="0"/>
+              <a:t>Reset </a:t>
+            </a:r>
+            <a:r>
+              <a:rPr lang="en-US" dirty="0" smtClean="0"/>
+              <a:t>is located in SW[0]</a:t>
             </a:r>
             <a:endParaRPr lang="en-US" dirty="0"/>
           </a:p>
@@ -3342,12 +3377,16 @@
               <a:t> </a:t>
             </a:r>
             <a:r>
-              <a:rPr lang="fi-FI" dirty="0" err="1" smtClean="0"/>
+              <a:rPr lang="fi-FI" err="1" smtClean="0"/>
               <a:t>top-level</a:t>
             </a:r>
             <a:r>
-              <a:rPr lang="fi-FI" dirty="0" smtClean="0"/>
-              <a:t> VHDL </a:t>
+              <a:rPr lang="fi-FI" smtClean="0"/>
+              <a:t> </a:t>
+            </a:r>
+            <a:r>
+              <a:rPr lang="fi-FI" smtClean="0"/>
+              <a:t>VHDL </a:t>
             </a:r>
             <a:endParaRPr lang="en-US" dirty="0"/>
           </a:p>
@@ -4247,7 +4286,7 @@
         <p:spPr/>
         <p:txBody>
           <a:bodyPr>
-            <a:normAutofit fontScale="85000" lnSpcReduction="10000"/>
+            <a:normAutofit fontScale="77500" lnSpcReduction="20000"/>
           </a:bodyPr>
           <a:lstStyle/>
           <a:p>
@@ -4308,7 +4347,20 @@
               <a:rPr lang="fi-FI" smtClean="0"/>
               <a:t>altera_de_II_demo.design.1.0.xml</a:t>
             </a:r>
-            <a:endParaRPr lang="fi-FI" smtClean="0"/>
+          </a:p>
+          <a:p>
+            <a:r>
+              <a:rPr lang="fi-FI" smtClean="0"/>
+              <a:t>Take </a:t>
+            </a:r>
+            <a:r>
+              <a:rPr lang="fi-FI" smtClean="0"/>
+              <a:t>also a </a:t>
+            </a:r>
+            <a:r>
+              <a:rPr lang="fi-FI" smtClean="0"/>
+              <a:t>look at generated top-level VHDL altera_de_II_demo.kactusHierarchical.vhd</a:t>
+            </a:r>
           </a:p>
           <a:p>
             <a:pPr lvl="1"/>
